--- a/createsp-v2-2.pptx
+++ b/createsp-v2-2.pptx
@@ -3166,7 +3166,6 @@
           <a:bodyPr/>
           <a:lstStyle/>
           <a:p>
-            <a:pPr algn="l"/>
             <a:r>
               <a:t>Position: .....</a:t>
             </a:r>
@@ -3188,7 +3187,6 @@
           <a:bodyPr/>
           <a:lstStyle/>
           <a:p>
-            <a:pPr algn="l"/>
             <a:r>
               <a:t>Position: .....</a:t>
             </a:r>
@@ -3995,7 +3993,6 @@
           <a:bodyPr/>
           <a:lstStyle/>
           <a:p>
-            <a:pPr algn="l"/>
             <a:r>
               <a:t>Position: .....</a:t>
             </a:r>
@@ -4017,7 +4014,6 @@
           <a:bodyPr/>
           <a:lstStyle/>
           <a:p>
-            <a:pPr algn="l"/>
             <a:r>
               <a:t>Position: .....</a:t>
             </a:r>
@@ -4582,7 +4578,6 @@
           <a:bodyPr/>
           <a:lstStyle/>
           <a:p>
-            <a:pPr algn="l"/>
             <a:r>
               <a:t>Position: .....</a:t>
             </a:r>
@@ -4604,7 +4599,6 @@
           <a:bodyPr/>
           <a:lstStyle/>
           <a:p>
-            <a:pPr algn="l"/>
             <a:r>
               <a:t>Position: .....</a:t>
             </a:r>
@@ -5242,7 +5236,6 @@
           <a:bodyPr/>
           <a:lstStyle/>
           <a:p>
-            <a:pPr algn="l"/>
             <a:r>
               <a:t>Position: .....</a:t>
             </a:r>
@@ -5264,7 +5257,6 @@
           <a:bodyPr/>
           <a:lstStyle/>
           <a:p>
-            <a:pPr algn="l"/>
             <a:r>
               <a:t>Position: .....</a:t>
             </a:r>
@@ -5925,7 +5917,6 @@
           <a:bodyPr/>
           <a:lstStyle/>
           <a:p>
-            <a:pPr algn="l"/>
             <a:r>
               <a:t>Position: .....</a:t>
             </a:r>
@@ -5947,7 +5938,6 @@
           <a:bodyPr/>
           <a:lstStyle/>
           <a:p>
-            <a:pPr algn="l"/>
             <a:r>
               <a:t>Position: .....</a:t>
             </a:r>
@@ -6608,7 +6598,6 @@
           <a:bodyPr/>
           <a:lstStyle/>
           <a:p>
-            <a:pPr algn="l"/>
             <a:r>
               <a:t>Position: .....</a:t>
             </a:r>
@@ -6630,7 +6619,6 @@
           <a:bodyPr/>
           <a:lstStyle/>
           <a:p>
-            <a:pPr algn="l"/>
             <a:r>
               <a:t>Position: .....</a:t>
             </a:r>
